--- a/assignments/slides.pptx
+++ b/assignments/slides.pptx
@@ -104,24 +104,45 @@
       </a:defRPr>
     </a:lvl9pPr>
   </p:defaultTextStyle>
+  <p:extLst>
+    <p:ext uri="{EFAFB233-063F-42B5-8137-9DF3F51BA10A}">
+      <p15:sldGuideLst xmlns:p15="http://schemas.microsoft.com/office/powerpoint/2012/main"/>
+    </p:ext>
+  </p:extLst>
 </p:presentation>
+</file>
+
+<file path=ppt/revisionInfo.xml><?xml version="1.0" encoding="utf-8"?>
+<p1510:revInfo xmlns:a="http://schemas.openxmlformats.org/drawingml/2006/main" xmlns:r="http://schemas.openxmlformats.org/officeDocument/2006/relationships" xmlns:p1510="http://schemas.microsoft.com/office/powerpoint/2015/10/main">
+  <p1510:revLst>
+    <p1510:client id="{F6E1CB61-355B-EE00-8EA7-6CD402C2E0F4}" v="2" dt="2021-09-06T18:26:49.277"/>
+  </p1510:revLst>
+</p1510:revInfo>
 </file>
 
 <file path=ppt/changesInfos/changesInfo1.xml><?xml version="1.0" encoding="utf-8"?>
 <pc:chgInfo xmlns:a="http://schemas.openxmlformats.org/drawingml/2006/main" xmlns:r="http://schemas.openxmlformats.org/officeDocument/2006/relationships" xmlns:ac="http://schemas.microsoft.com/office/drawing/2013/main/command" xmlns:pc="http://schemas.microsoft.com/office/powerpoint/2013/main/command">
   <pc:docChgLst>
-    <pc:chgData name="#LIN JINGKUN#" userId="381cc03c-8e63-4984-8a9b-9e32e06ccad3" providerId="ADAL" clId="{6F0E0961-1297-47D3-96AA-5D9AF3E52D37}"/>
-    <pc:docChg chg="addSld">
-      <pc:chgData name="#LIN JINGKUN#" userId="381cc03c-8e63-4984-8a9b-9e32e06ccad3" providerId="ADAL" clId="{6F0E0961-1297-47D3-96AA-5D9AF3E52D37}" dt="2021-09-05T14:16:20.075" v="0" actId="680"/>
+    <pc:chgData name="#LIN JINGKUN#" userId="S::linj0097@e.ntu.edu.sg::381cc03c-8e63-4984-8a9b-9e32e06ccad3" providerId="AD" clId="Web-{F6E1CB61-355B-EE00-8EA7-6CD402C2E0F4}"/>
+    <pc:docChg chg="modSld">
+      <pc:chgData name="#LIN JINGKUN#" userId="S::linj0097@e.ntu.edu.sg::381cc03c-8e63-4984-8a9b-9e32e06ccad3" providerId="AD" clId="Web-{F6E1CB61-355B-EE00-8EA7-6CD402C2E0F4}" dt="2021-09-06T18:26:49.277" v="1" actId="1076"/>
       <pc:docMkLst>
         <pc:docMk/>
       </pc:docMkLst>
-      <pc:sldChg chg="new">
-        <pc:chgData name="#LIN JINGKUN#" userId="381cc03c-8e63-4984-8a9b-9e32e06ccad3" providerId="ADAL" clId="{6F0E0961-1297-47D3-96AA-5D9AF3E52D37}" dt="2021-09-05T14:16:20.075" v="0" actId="680"/>
+      <pc:sldChg chg="modSp">
+        <pc:chgData name="#LIN JINGKUN#" userId="S::linj0097@e.ntu.edu.sg::381cc03c-8e63-4984-8a9b-9e32e06ccad3" providerId="AD" clId="Web-{F6E1CB61-355B-EE00-8EA7-6CD402C2E0F4}" dt="2021-09-06T18:26:49.277" v="1" actId="1076"/>
         <pc:sldMkLst>
           <pc:docMk/>
           <pc:sldMk cId="4030135431" sldId="256"/>
         </pc:sldMkLst>
+        <pc:spChg chg="mod">
+          <ac:chgData name="#LIN JINGKUN#" userId="S::linj0097@e.ntu.edu.sg::381cc03c-8e63-4984-8a9b-9e32e06ccad3" providerId="AD" clId="Web-{F6E1CB61-355B-EE00-8EA7-6CD402C2E0F4}" dt="2021-09-06T18:26:49.277" v="1" actId="1076"/>
+          <ac:spMkLst>
+            <pc:docMk/>
+            <pc:sldMk cId="4030135431" sldId="256"/>
+            <ac:spMk id="2" creationId="{CDE7E3D3-5227-453D-B1AD-3671801B9226}"/>
+          </ac:spMkLst>
+        </pc:spChg>
       </pc:sldChg>
     </pc:docChg>
   </pc:docChgLst>
@@ -275,7 +296,7 @@
           <a:p>
             <a:fld id="{D0980DCF-E9E1-453D-B8F8-9E4ABE047A2E}" type="datetimeFigureOut">
               <a:rPr lang="zh-CN" altLang="en-US" smtClean="0"/>
-              <a:t>2021.09.05</a:t>
+              <a:t>2021/9/6</a:t>
             </a:fld>
             <a:endParaRPr lang="zh-CN" altLang="en-US"/>
           </a:p>
@@ -473,7 +494,7 @@
           <a:p>
             <a:fld id="{D0980DCF-E9E1-453D-B8F8-9E4ABE047A2E}" type="datetimeFigureOut">
               <a:rPr lang="zh-CN" altLang="en-US" smtClean="0"/>
-              <a:t>2021.09.05</a:t>
+              <a:t>2021/9/6</a:t>
             </a:fld>
             <a:endParaRPr lang="zh-CN" altLang="en-US"/>
           </a:p>
@@ -681,7 +702,7 @@
           <a:p>
             <a:fld id="{D0980DCF-E9E1-453D-B8F8-9E4ABE047A2E}" type="datetimeFigureOut">
               <a:rPr lang="zh-CN" altLang="en-US" smtClean="0"/>
-              <a:t>2021.09.05</a:t>
+              <a:t>2021/9/6</a:t>
             </a:fld>
             <a:endParaRPr lang="zh-CN" altLang="en-US"/>
           </a:p>
@@ -879,7 +900,7 @@
           <a:p>
             <a:fld id="{D0980DCF-E9E1-453D-B8F8-9E4ABE047A2E}" type="datetimeFigureOut">
               <a:rPr lang="zh-CN" altLang="en-US" smtClean="0"/>
-              <a:t>2021.09.05</a:t>
+              <a:t>2021/9/6</a:t>
             </a:fld>
             <a:endParaRPr lang="zh-CN" altLang="en-US"/>
           </a:p>
@@ -1154,7 +1175,7 @@
           <a:p>
             <a:fld id="{D0980DCF-E9E1-453D-B8F8-9E4ABE047A2E}" type="datetimeFigureOut">
               <a:rPr lang="zh-CN" altLang="en-US" smtClean="0"/>
-              <a:t>2021.09.05</a:t>
+              <a:t>2021/9/6</a:t>
             </a:fld>
             <a:endParaRPr lang="zh-CN" altLang="en-US"/>
           </a:p>
@@ -1419,7 +1440,7 @@
           <a:p>
             <a:fld id="{D0980DCF-E9E1-453D-B8F8-9E4ABE047A2E}" type="datetimeFigureOut">
               <a:rPr lang="zh-CN" altLang="en-US" smtClean="0"/>
-              <a:t>2021.09.05</a:t>
+              <a:t>2021/9/6</a:t>
             </a:fld>
             <a:endParaRPr lang="zh-CN" altLang="en-US"/>
           </a:p>
@@ -1831,7 +1852,7 @@
           <a:p>
             <a:fld id="{D0980DCF-E9E1-453D-B8F8-9E4ABE047A2E}" type="datetimeFigureOut">
               <a:rPr lang="zh-CN" altLang="en-US" smtClean="0"/>
-              <a:t>2021.09.05</a:t>
+              <a:t>2021/9/6</a:t>
             </a:fld>
             <a:endParaRPr lang="zh-CN" altLang="en-US"/>
           </a:p>
@@ -1972,7 +1993,7 @@
           <a:p>
             <a:fld id="{D0980DCF-E9E1-453D-B8F8-9E4ABE047A2E}" type="datetimeFigureOut">
               <a:rPr lang="zh-CN" altLang="en-US" smtClean="0"/>
-              <a:t>2021.09.05</a:t>
+              <a:t>2021/9/6</a:t>
             </a:fld>
             <a:endParaRPr lang="zh-CN" altLang="en-US"/>
           </a:p>
@@ -2085,7 +2106,7 @@
           <a:p>
             <a:fld id="{D0980DCF-E9E1-453D-B8F8-9E4ABE047A2E}" type="datetimeFigureOut">
               <a:rPr lang="zh-CN" altLang="en-US" smtClean="0"/>
-              <a:t>2021.09.05</a:t>
+              <a:t>2021/9/6</a:t>
             </a:fld>
             <a:endParaRPr lang="zh-CN" altLang="en-US"/>
           </a:p>
@@ -2396,7 +2417,7 @@
           <a:p>
             <a:fld id="{D0980DCF-E9E1-453D-B8F8-9E4ABE047A2E}" type="datetimeFigureOut">
               <a:rPr lang="zh-CN" altLang="en-US" smtClean="0"/>
-              <a:t>2021.09.05</a:t>
+              <a:t>2021/9/6</a:t>
             </a:fld>
             <a:endParaRPr lang="zh-CN" altLang="en-US"/>
           </a:p>
@@ -2684,7 +2705,7 @@
           <a:p>
             <a:fld id="{D0980DCF-E9E1-453D-B8F8-9E4ABE047A2E}" type="datetimeFigureOut">
               <a:rPr lang="zh-CN" altLang="en-US" smtClean="0"/>
-              <a:t>2021.09.05</a:t>
+              <a:t>2021/9/6</a:t>
             </a:fld>
             <a:endParaRPr lang="zh-CN" altLang="en-US"/>
           </a:p>
@@ -2925,7 +2946,7 @@
           <a:p>
             <a:fld id="{D0980DCF-E9E1-453D-B8F8-9E4ABE047A2E}" type="datetimeFigureOut">
               <a:rPr lang="zh-CN" altLang="en-US" smtClean="0"/>
-              <a:t>2021.09.05</a:t>
+              <a:t>2021/9/6</a:t>
             </a:fld>
             <a:endParaRPr lang="zh-CN" altLang="en-US"/>
           </a:p>
@@ -3358,7 +3379,12 @@
             <p:ph type="ctrTitle"/>
           </p:nvPr>
         </p:nvSpPr>
-        <p:spPr/>
+        <p:spPr>
+          <a:xfrm>
+            <a:off x="1524000" y="1069950"/>
+            <a:ext cx="9144000" cy="2387600"/>
+          </a:xfrm>
+        </p:spPr>
         <p:txBody>
           <a:bodyPr/>
           <a:lstStyle/>
